--- a/Decks/Lesson 1 - App Service Intro.pptx
+++ b/Decks/Lesson 1 - App Service Intro.pptx
@@ -728,7 +728,14 @@
           <a:bodyPr/>
           <a:lstStyle/>
           <a:p>
-            <a:endParaRPr lang="en-US"/>
+            <a:r>
+              <a:rPr lang="en-US" dirty="0"/>
+              <a:t>During the demo, show the </a:t>
+            </a:r>
+            <a:r>
+              <a:rPr lang="en-US"/>
+              <a:t>difference pricing tiers for ASPs.</a:t>
+            </a:r>
           </a:p>
         </p:txBody>
       </p:sp>
